--- a/resources/hw/genomic-data-visualization-HW_2.pptx
+++ b/resources/hw/genomic-data-visualization-HW_2.pptx
@@ -270,7 +270,7 @@
           <a:p>
             <a:fld id="{3B49BF8B-8FD1-1748-B518-B651293E6FA0}" type="datetimeFigureOut">
               <a:rPr lang="en-US" smtClean="0"/>
-              <a:t>2/2/25</a:t>
+              <a:t>1/29/26</a:t>
             </a:fld>
             <a:endParaRPr lang="en-US"/>
           </a:p>
@@ -440,7 +440,7 @@
           <a:p>
             <a:fld id="{3B49BF8B-8FD1-1748-B518-B651293E6FA0}" type="datetimeFigureOut">
               <a:rPr lang="en-US" smtClean="0"/>
-              <a:t>2/2/25</a:t>
+              <a:t>1/29/26</a:t>
             </a:fld>
             <a:endParaRPr lang="en-US"/>
           </a:p>
@@ -620,7 +620,7 @@
           <a:p>
             <a:fld id="{3B49BF8B-8FD1-1748-B518-B651293E6FA0}" type="datetimeFigureOut">
               <a:rPr lang="en-US" smtClean="0"/>
-              <a:t>2/2/25</a:t>
+              <a:t>1/29/26</a:t>
             </a:fld>
             <a:endParaRPr lang="en-US"/>
           </a:p>
@@ -790,7 +790,7 @@
           <a:p>
             <a:fld id="{3B49BF8B-8FD1-1748-B518-B651293E6FA0}" type="datetimeFigureOut">
               <a:rPr lang="en-US" smtClean="0"/>
-              <a:t>2/2/25</a:t>
+              <a:t>1/29/26</a:t>
             </a:fld>
             <a:endParaRPr lang="en-US"/>
           </a:p>
@@ -1050,7 +1050,7 @@
           <a:p>
             <a:fld id="{3B49BF8B-8FD1-1748-B518-B651293E6FA0}" type="datetimeFigureOut">
               <a:rPr lang="en-US" smtClean="0"/>
-              <a:t>2/2/25</a:t>
+              <a:t>1/29/26</a:t>
             </a:fld>
             <a:endParaRPr lang="en-US"/>
           </a:p>
@@ -1282,7 +1282,7 @@
           <a:p>
             <a:fld id="{3B49BF8B-8FD1-1748-B518-B651293E6FA0}" type="datetimeFigureOut">
               <a:rPr lang="en-US" smtClean="0"/>
-              <a:t>2/2/25</a:t>
+              <a:t>1/29/26</a:t>
             </a:fld>
             <a:endParaRPr lang="en-US"/>
           </a:p>
@@ -1637,7 +1637,7 @@
           <a:p>
             <a:fld id="{3B49BF8B-8FD1-1748-B518-B651293E6FA0}" type="datetimeFigureOut">
               <a:rPr lang="en-US" smtClean="0"/>
-              <a:t>2/2/25</a:t>
+              <a:t>1/29/26</a:t>
             </a:fld>
             <a:endParaRPr lang="en-US"/>
           </a:p>
@@ -1778,7 +1778,7 @@
           <a:p>
             <a:fld id="{3B49BF8B-8FD1-1748-B518-B651293E6FA0}" type="datetimeFigureOut">
               <a:rPr lang="en-US" smtClean="0"/>
-              <a:t>2/2/25</a:t>
+              <a:t>1/29/26</a:t>
             </a:fld>
             <a:endParaRPr lang="en-US"/>
           </a:p>
@@ -1873,7 +1873,7 @@
           <a:p>
             <a:fld id="{3B49BF8B-8FD1-1748-B518-B651293E6FA0}" type="datetimeFigureOut">
               <a:rPr lang="en-US" smtClean="0"/>
-              <a:t>2/2/25</a:t>
+              <a:t>1/29/26</a:t>
             </a:fld>
             <a:endParaRPr lang="en-US"/>
           </a:p>
@@ -2230,7 +2230,7 @@
           <a:p>
             <a:fld id="{3B49BF8B-8FD1-1748-B518-B651293E6FA0}" type="datetimeFigureOut">
               <a:rPr lang="en-US" smtClean="0"/>
-              <a:t>2/2/25</a:t>
+              <a:t>1/29/26</a:t>
             </a:fld>
             <a:endParaRPr lang="en-US"/>
           </a:p>
@@ -2548,7 +2548,7 @@
           <a:p>
             <a:fld id="{3B49BF8B-8FD1-1748-B518-B651293E6FA0}" type="datetimeFigureOut">
               <a:rPr lang="en-US" smtClean="0"/>
-              <a:t>2/2/25</a:t>
+              <a:t>1/29/26</a:t>
             </a:fld>
             <a:endParaRPr lang="en-US"/>
           </a:p>
@@ -2793,7 +2793,7 @@
           <a:p>
             <a:fld id="{3B49BF8B-8FD1-1748-B518-B651293E6FA0}" type="datetimeFigureOut">
               <a:rPr lang="en-US" smtClean="0"/>
-              <a:t>2/2/25</a:t>
+              <a:t>1/29/26</a:t>
             </a:fld>
             <a:endParaRPr lang="en-US"/>
           </a:p>
@@ -3599,7 +3599,7 @@
         </p:spPr>
         <p:txBody>
           <a:bodyPr>
-            <a:normAutofit/>
+            <a:normAutofit fontScale="92500" lnSpcReduction="10000"/>
           </a:bodyPr>
           <a:lstStyle/>
           <a:p>
@@ -3615,7 +3615,7 @@
                   <a:srgbClr val="404040"/>
                 </a:solidFill>
               </a:rPr>
-              <a:t>Make a new data visualization of your spatial transcriptomics dataset with a minimum of 2 panels that explores dimensionality reduction using PCA to specifically explore one of the following questions:</a:t>
+              <a:t>Make a new data visualization of your spatial transcriptomics dataset with a minimum of 2 panels that explores dimensionality reduction to specifically explore one of the following questions:</a:t>
             </a:r>
           </a:p>
           <a:p>
@@ -3628,11 +3628,8 @@
                 <a:effectLst/>
                 <a:latin typeface="-apple-system"/>
               </a:rPr>
-              <a:t>Focus on cells: How do cells relate in gene expression space versus physical space? For example, are cells that are more transcriptionally similar to each other also physically closer to each other? </a:t>
-            </a:r>
-            <a:endParaRPr lang="en-US" sz="1600" dirty="0">
-              <a:latin typeface="-apple-system"/>
-            </a:endParaRPr>
+              <a:t>How do the gene loadings on the first PC relate to features of the genes such as its mean or variance? </a:t>
+            </a:r>
           </a:p>
           <a:p>
             <a:pPr algn="l">
@@ -3644,24 +3641,85 @@
                 <a:effectLst/>
                 <a:latin typeface="-apple-system"/>
               </a:rPr>
-              <a:t>Focus on genes: How do the gene loadings on the first PC relate to features of the genes such as its mean or variance? </a:t>
+              <a:t>How do the genes with high versus low loadings relate to each other? </a:t>
             </a:r>
             <a:r>
               <a:rPr lang="en-US" sz="1600" dirty="0">
                 <a:latin typeface="-apple-system"/>
               </a:rPr>
-              <a:t>Do the results change if you scale or don’t scale the genes?</a:t>
-            </a:r>
-          </a:p>
-          <a:p>
-            <a:pPr marL="0" indent="0" algn="l">
-              <a:buNone/>
+              <a:t>How are they patterned relative to each other in the tissue?</a:t>
+            </a:r>
+            <a:endParaRPr lang="en-US" sz="1600" b="0" i="0" dirty="0">
+              <a:effectLst/>
+              <a:latin typeface="-apple-system"/>
+            </a:endParaRPr>
+          </a:p>
+          <a:p>
+            <a:pPr algn="l">
+              <a:buFont typeface="+mj-lt"/>
+              <a:buAutoNum type="arabicPeriod"/>
             </a:pPr>
             <a:r>
               <a:rPr lang="en-US" sz="1600" dirty="0">
                 <a:latin typeface="-apple-system"/>
               </a:rPr>
-              <a:t>Alternatively: you are welcome to come up with your own question to explore. Please check with Caleb or Prof. Fan to obtain permission if you are interested. </a:t>
+              <a:t>How do </a:t>
+            </a:r>
+            <a:r>
+              <a:rPr lang="en-US" sz="1600" dirty="0" err="1">
+                <a:latin typeface="-apple-system"/>
+              </a:rPr>
+              <a:t>tSNE</a:t>
+            </a:r>
+            <a:r>
+              <a:rPr lang="en-US" sz="1600" dirty="0">
+                <a:latin typeface="-apple-system"/>
+              </a:rPr>
+              <a:t> coordinates change as you increase or decrease the number of PCs? </a:t>
+            </a:r>
+          </a:p>
+          <a:p>
+            <a:pPr algn="l">
+              <a:buFont typeface="+mj-lt"/>
+              <a:buAutoNum type="arabicPeriod"/>
+            </a:pPr>
+            <a:r>
+              <a:rPr lang="en-US" sz="1600" dirty="0">
+                <a:latin typeface="-apple-system"/>
+              </a:rPr>
+              <a:t>How do </a:t>
+            </a:r>
+            <a:r>
+              <a:rPr lang="en-US" sz="1600" dirty="0" err="1">
+                <a:latin typeface="-apple-system"/>
+              </a:rPr>
+              <a:t>tSNE</a:t>
+            </a:r>
+            <a:r>
+              <a:rPr lang="en-US" sz="1600" dirty="0">
+                <a:latin typeface="-apple-system"/>
+              </a:rPr>
+              <a:t> coordinates change as you increase or decrease the </a:t>
+            </a:r>
+            <a:r>
+              <a:rPr lang="en-US" sz="1600">
+                <a:latin typeface="-apple-system"/>
+              </a:rPr>
+              <a:t>perplexity?</a:t>
+            </a:r>
+            <a:endParaRPr lang="en-US" sz="1600" dirty="0">
+              <a:latin typeface="-apple-system"/>
+            </a:endParaRPr>
+          </a:p>
+          <a:p>
+            <a:pPr marL="0" indent="0" algn="l">
+              <a:buNone/>
+            </a:pPr>
+            <a:r>
+              <a:rPr lang="en-US" sz="1600" dirty="0">
+                <a:latin typeface="-apple-system"/>
+              </a:rPr>
+              <a:t>Alternatively: you are welcome to come up with your own question to explore. Please check with Suki or Prof. Fan to obtain permission if you are interested. </a:t>
             </a:r>
           </a:p>
           <a:p>
@@ -3679,7 +3737,7 @@
               <a:rPr lang="en-US" sz="1600" dirty="0">
                 <a:latin typeface="-apple-system"/>
               </a:rPr>
-              <a:t>explaining </a:t>
+              <a:t>explaining what you are trying to make salient and </a:t>
             </a:r>
             <a:r>
               <a:rPr lang="en-US" sz="1600" b="0" i="0" dirty="0">
